--- a/4조-monami-초안.pptx
+++ b/4조-monami-초안.pptx
@@ -2,7 +2,7 @@
 <file path=ppt/presentation.xml><?xml version="1.0" encoding="utf-8"?>
 <p:presentation xmlns:r="http://schemas.openxmlformats.org/officeDocument/2006/relationships" xmlns:c="http://schemas.openxmlformats.org/drawingml/2006/chart" xmlns:a="http://schemas.openxmlformats.org/drawingml/2006/main" xmlns:dgm="http://schemas.openxmlformats.org/drawingml/2006/diagram" xmlns:dsp="http://schemas.microsoft.com/office/drawing/2008/diagram" xmlns:p="http://schemas.openxmlformats.org/presentationml/2006/main" embedTrueTypeFonts="1" saveSubsetFonts="1">
   <p:sldMasterIdLst>
-    <p:sldMasterId id="2147483672" r:id="rId1"/>
+    <p:sldMasterId id="2147483666" r:id="rId1"/>
   </p:sldMasterIdLst>
   <p:sldIdLst>
     <p:sldId id="256" r:id="rId2"/>
@@ -3585,7 +3585,7 @@
                 </a:solidFill>
                 <a:ea typeface="Pretendard Light"/>
               </a:rPr>
-              <a:t>볼벤 생산 관련  웹사이트</a:t>
+              <a:t>볼펜 생산 관련  웹사이트</a:t>
             </a:r>
             <a:endParaRPr lang="ko-KR" altLang="en-US" sz="6500" b="0" i="0" u="none" strike="noStrike" spc="-400">
               <a:ln w="9525" cap="flat" cmpd="sng" algn="ctr">
@@ -3981,47 +3981,37 @@
           </a:xfrm>
         </p:grpSpPr>
       </p:grpSp>
-      <p:pic>
-        <p:nvPicPr>
-          <p:cNvPr id="40" name=""/>
-          <p:cNvPicPr>
-            <a:picLocks noChangeAspect="1"/>
-          </p:cNvPicPr>
-          <p:nvPr/>
-        </p:nvPicPr>
-        <p:blipFill rotWithShape="1">
-          <a:blip r:embed="rId3"/>
-          <a:stretch>
-            <a:fillRect/>
-          </a:stretch>
-        </p:blipFill>
-        <p:spPr>
-          <a:xfrm>
-            <a:off x="2667000" y="2448637"/>
-            <a:ext cx="8001000" cy="7343062"/>
-          </a:xfrm>
-          <a:prstGeom prst="rect">
-            <a:avLst/>
-          </a:prstGeom>
-        </p:spPr>
-      </p:pic>
-      <p:sp>
-        <p:nvSpPr>
-          <p:cNvPr id="41" name="타원 12"/>
+      <p:sp>
+        <p:nvSpPr>
+          <p:cNvPr id="47" name=""/>
           <p:cNvSpPr/>
           <p:nvPr/>
         </p:nvSpPr>
         <p:spPr>
           <a:xfrm>
-            <a:off x="1667332" y="3314700"/>
-            <a:ext cx="313867" cy="334956"/>
-          </a:xfrm>
-          <a:prstGeom prst="ellipse">
-            <a:avLst/>
-          </a:prstGeom>
-          <a:solidFill>
-            <a:srgbClr val="404040"/>
-          </a:solidFill>
+            <a:off x="11353800" y="2019300"/>
+            <a:ext cx="6324600" cy="7620000"/>
+          </a:xfrm>
+          <a:prstGeom prst="snipRoundRect">
+            <a:avLst>
+              <a:gd name="adj1" fmla="val 8073"/>
+              <a:gd name="adj2" fmla="val 16667"/>
+            </a:avLst>
+          </a:prstGeom>
+          <a:noFill/>
+          <a:ln w="38100">
+            <a:solidFill>
+              <a:schemeClr val="accent5"/>
+            </a:solidFill>
+            <a:prstDash val="solid"/>
+          </a:ln>
+          <a:effectLst>
+            <a:outerShdw blurRad="76200" dist="76200" dir="2700000" algn="ctr" rotWithShape="0">
+              <a:srgbClr val="000000">
+                <a:alpha val="50000"/>
+              </a:srgbClr>
+            </a:outerShdw>
+          </a:effectLst>
         </p:spPr>
         <p:style>
           <a:lnRef idx="2">
@@ -4041,28 +4031,189 @@
         </p:style>
         <p:txBody>
           <a:bodyPr anchor="ctr"/>
-          <a:lstStyle/>
-          <a:p>
-            <a:pPr algn="ctr">
+          <a:p>
+            <a:pPr marL="333000" indent="-333000">
+              <a:lnSpc>
+                <a:spcPct val="200000"/>
+              </a:lnSpc>
+              <a:buAutoNum type="arabicPeriod"/>
               <a:defRPr/>
             </a:pPr>
             <a:r>
-              <a:rPr lang="en-US" altLang="ko-KR"/>
-              <a:t>1</a:t>
-            </a:r>
-            <a:endParaRPr lang="en-US" altLang="ko-KR"/>
-          </a:p>
-        </p:txBody>
-      </p:sp>
-      <p:sp>
-        <p:nvSpPr>
-          <p:cNvPr id="42" name="타원 12"/>
+              <a:rPr lang="ko-KR" altLang="en-US" sz="2300" b="1">
+                <a:solidFill>
+                  <a:schemeClr val="dk1"/>
+                </a:solidFill>
+              </a:rPr>
+              <a:t>중요공지표시</a:t>
+            </a:r>
+            <a:endParaRPr lang="ko-KR" altLang="en-US" sz="2300" b="1">
+              <a:solidFill>
+                <a:schemeClr val="dk1"/>
+              </a:solidFill>
+            </a:endParaRPr>
+          </a:p>
+          <a:p>
+            <a:pPr marL="333000" indent="-333000">
+              <a:lnSpc>
+                <a:spcPct val="200000"/>
+              </a:lnSpc>
+              <a:buAutoNum type="arabicPeriod"/>
+              <a:defRPr/>
+            </a:pPr>
+            <a:r>
+              <a:rPr lang="ko-KR" altLang="en-US" sz="2300" b="1">
+                <a:solidFill>
+                  <a:schemeClr val="dk1"/>
+                </a:solidFill>
+              </a:rPr>
+              <a:t>공지사항 작성 페이지 이동</a:t>
+            </a:r>
+            <a:endParaRPr lang="ko-KR" altLang="en-US" sz="2300" b="1">
+              <a:solidFill>
+                <a:schemeClr val="dk1"/>
+              </a:solidFill>
+            </a:endParaRPr>
+          </a:p>
+          <a:p>
+            <a:pPr marL="333000" indent="-333000">
+              <a:lnSpc>
+                <a:spcPct val="200000"/>
+              </a:lnSpc>
+              <a:buAutoNum type="arabicPeriod"/>
+              <a:defRPr/>
+            </a:pPr>
+            <a:r>
+              <a:rPr lang="ko-KR" altLang="en-US" sz="2300" b="1">
+                <a:solidFill>
+                  <a:schemeClr val="dk1"/>
+                </a:solidFill>
+              </a:rPr>
+              <a:t>스크롤 도우미 버튼 </a:t>
+            </a:r>
+            <a:endParaRPr lang="ko-KR" altLang="en-US" sz="2300" b="1">
+              <a:solidFill>
+                <a:schemeClr val="dk1"/>
+              </a:solidFill>
+            </a:endParaRPr>
+          </a:p>
+          <a:p>
+            <a:pPr marL="333000" indent="-333000">
+              <a:lnSpc>
+                <a:spcPct val="200000"/>
+              </a:lnSpc>
+              <a:buAutoNum type="arabicPeriod"/>
+              <a:defRPr/>
+            </a:pPr>
+            <a:r>
+              <a:rPr lang="ko-KR" altLang="en-US" sz="2300" b="1">
+                <a:solidFill>
+                  <a:schemeClr val="dk1"/>
+                </a:solidFill>
+              </a:rPr>
+              <a:t>공지사항 정보 표시 클릭시 상제정보 페이지 이동</a:t>
+            </a:r>
+            <a:endParaRPr lang="ko-KR" altLang="en-US" sz="2300" b="1">
+              <a:solidFill>
+                <a:schemeClr val="dk1"/>
+              </a:solidFill>
+            </a:endParaRPr>
+          </a:p>
+          <a:p>
+            <a:pPr marL="333000" indent="-333000">
+              <a:lnSpc>
+                <a:spcPct val="200000"/>
+              </a:lnSpc>
+              <a:buAutoNum type="arabicPeriod"/>
+              <a:defRPr/>
+            </a:pPr>
+            <a:r>
+              <a:rPr lang="ko-KR" altLang="en-US" sz="2300" b="1">
+                <a:solidFill>
+                  <a:schemeClr val="dk1"/>
+                </a:solidFill>
+              </a:rPr>
+              <a:t>수정 페이지 이동</a:t>
+            </a:r>
+            <a:r>
+              <a:rPr lang="en-US" altLang="ko-KR" sz="2300" b="1">
+                <a:solidFill>
+                  <a:schemeClr val="dk1"/>
+                </a:solidFill>
+              </a:rPr>
+              <a:t>,</a:t>
+            </a:r>
+            <a:r>
+              <a:rPr lang="ko-KR" altLang="en-US" sz="2300" b="1">
+                <a:solidFill>
+                  <a:schemeClr val="dk1"/>
+                </a:solidFill>
+              </a:rPr>
+              <a:t> 공지사항 삭제</a:t>
+            </a:r>
+            <a:endParaRPr lang="ko-KR" altLang="en-US" b="1">
+              <a:solidFill>
+                <a:schemeClr val="dk1"/>
+              </a:solidFill>
+            </a:endParaRPr>
+          </a:p>
+          <a:p>
+            <a:pPr marL="333000" indent="-333000" algn="ctr">
+              <a:buAutoNum type="arabicPeriod"/>
+              <a:defRPr/>
+            </a:pPr>
+            <a:endParaRPr lang="ko-KR" altLang="en-US">
+              <a:solidFill>
+                <a:schemeClr val="dk1"/>
+              </a:solidFill>
+            </a:endParaRPr>
+          </a:p>
+          <a:p>
+            <a:pPr marL="333000" indent="-333000" algn="ctr">
+              <a:buAutoNum type="arabicPeriod"/>
+              <a:defRPr/>
+            </a:pPr>
+            <a:endParaRPr lang="ko-KR" altLang="en-US">
+              <a:solidFill>
+                <a:schemeClr val="dk1"/>
+              </a:solidFill>
+            </a:endParaRPr>
+          </a:p>
+        </p:txBody>
+      </p:sp>
+      <p:pic>
+        <p:nvPicPr>
+          <p:cNvPr id="48" name=""/>
+          <p:cNvPicPr>
+            <a:picLocks noChangeAspect="1"/>
+          </p:cNvPicPr>
+          <p:nvPr/>
+        </p:nvPicPr>
+        <p:blipFill rotWithShape="1">
+          <a:blip r:embed="rId3"/>
+          <a:stretch>
+            <a:fillRect/>
+          </a:stretch>
+        </p:blipFill>
+        <p:spPr>
+          <a:xfrm>
+            <a:off x="2046799" y="2400300"/>
+            <a:ext cx="8087799" cy="7449590"/>
+          </a:xfrm>
+          <a:prstGeom prst="rect">
+            <a:avLst/>
+          </a:prstGeom>
+        </p:spPr>
+      </p:pic>
+      <p:sp>
+        <p:nvSpPr>
+          <p:cNvPr id="49" name="타원 12"/>
           <p:cNvSpPr/>
           <p:nvPr/>
         </p:nvSpPr>
         <p:spPr>
           <a:xfrm>
-            <a:off x="1667332" y="4351343"/>
+            <a:off x="7839533" y="5143500"/>
             <a:ext cx="313867" cy="334956"/>
           </a:xfrm>
           <a:prstGeom prst="ellipse">
@@ -4105,13 +4256,13 @@
       </p:sp>
       <p:sp>
         <p:nvSpPr>
-          <p:cNvPr id="43" name="타원 12"/>
+          <p:cNvPr id="50" name="타원 12"/>
           <p:cNvSpPr/>
           <p:nvPr/>
         </p:nvSpPr>
         <p:spPr>
           <a:xfrm>
-            <a:off x="1667332" y="5143500"/>
+            <a:off x="2734133" y="2476500"/>
             <a:ext cx="313867" cy="334956"/>
           </a:xfrm>
           <a:prstGeom prst="ellipse">
@@ -4146,7 +4297,7 @@
             </a:pPr>
             <a:r>
               <a:rPr lang="en-US" altLang="ko-KR"/>
-              <a:t>3</a:t>
+              <a:t>1</a:t>
             </a:r>
             <a:endParaRPr lang="en-US" altLang="ko-KR"/>
           </a:p>
@@ -4154,87 +4305,333 @@
       </p:sp>
       <p:sp>
         <p:nvSpPr>
-          <p:cNvPr id="44" name="한쪽 모서리가 잘린 사각형 19"/>
+          <p:cNvPr id="51" name="타원 12"/>
           <p:cNvSpPr/>
           <p:nvPr/>
         </p:nvSpPr>
         <p:spPr>
           <a:xfrm>
-            <a:off x="11648662" y="2379334"/>
-            <a:ext cx="4429538" cy="5528331"/>
-          </a:xfrm>
-          <a:prstGeom prst="snip1Rect">
-            <a:avLst>
-              <a:gd name="adj" fmla="val 16667"/>
-            </a:avLst>
-          </a:prstGeom>
-          <a:ln w="28575"/>
-          <a:effectLst>
-            <a:outerShdw blurRad="50800" dist="38100" dir="10800000" algn="r" rotWithShape="0">
-              <a:prstClr val="black">
-                <a:alpha val="40000"/>
-              </a:prstClr>
-            </a:outerShdw>
-          </a:effectLst>
+            <a:off x="7687133" y="6180144"/>
+            <a:ext cx="313867" cy="334956"/>
+          </a:xfrm>
+          <a:prstGeom prst="ellipse">
+            <a:avLst/>
+          </a:prstGeom>
+          <a:solidFill>
+            <a:srgbClr val="404040"/>
+          </a:solidFill>
         </p:spPr>
         <p:style>
           <a:lnRef idx="2">
-            <a:schemeClr val="accent2"/>
+            <a:schemeClr val="accent1">
+              <a:shade val="20000"/>
+            </a:schemeClr>
           </a:lnRef>
           <a:fillRef idx="1">
-            <a:schemeClr val="lt1"/>
+            <a:schemeClr val="accent1"/>
           </a:fillRef>
           <a:effectRef idx="0">
-            <a:schemeClr val="accent2"/>
+            <a:schemeClr val="accent1"/>
           </a:effectRef>
           <a:fontRef idx="minor">
-            <a:schemeClr val="dk1"/>
+            <a:schemeClr val="lt1"/>
           </a:fontRef>
         </p:style>
         <p:txBody>
           <a:bodyPr anchor="ctr"/>
           <a:lstStyle/>
           <a:p>
-            <a:pPr marL="333000" indent="-333000">
-              <a:buAutoNum type="arabicPeriod"/>
+            <a:pPr algn="ctr">
               <a:defRPr/>
             </a:pPr>
             <a:r>
-              <a:rPr lang="ko-KR" altLang="en-US"/>
-              <a:t>중요공지</a:t>
-            </a:r>
-            <a:endParaRPr lang="ko-KR" altLang="en-US"/>
-          </a:p>
-          <a:p>
-            <a:pPr marL="333000" indent="-333000">
-              <a:buAutoNum type="arabicPeriod"/>
+              <a:rPr lang="en-US" altLang="ko-KR"/>
+              <a:t>4</a:t>
+            </a:r>
+            <a:endParaRPr lang="en-US" altLang="ko-KR"/>
+          </a:p>
+        </p:txBody>
+      </p:sp>
+      <p:sp>
+        <p:nvSpPr>
+          <p:cNvPr id="52" name="타원 12"/>
+          <p:cNvSpPr/>
+          <p:nvPr/>
+        </p:nvSpPr>
+        <p:spPr>
+          <a:xfrm>
+            <a:off x="9058733" y="5418144"/>
+            <a:ext cx="313867" cy="334956"/>
+          </a:xfrm>
+          <a:prstGeom prst="ellipse">
+            <a:avLst/>
+          </a:prstGeom>
+          <a:solidFill>
+            <a:srgbClr val="404040"/>
+          </a:solidFill>
+        </p:spPr>
+        <p:style>
+          <a:lnRef idx="2">
+            <a:schemeClr val="accent1">
+              <a:shade val="20000"/>
+            </a:schemeClr>
+          </a:lnRef>
+          <a:fillRef idx="1">
+            <a:schemeClr val="accent1"/>
+          </a:fillRef>
+          <a:effectRef idx="0">
+            <a:schemeClr val="accent1"/>
+          </a:effectRef>
+          <a:fontRef idx="minor">
+            <a:schemeClr val="lt1"/>
+          </a:fontRef>
+        </p:style>
+        <p:txBody>
+          <a:bodyPr anchor="ctr"/>
+          <a:lstStyle/>
+          <a:p>
+            <a:pPr algn="ctr">
               <a:defRPr/>
             </a:pPr>
             <a:r>
-              <a:rPr lang="ko-KR" altLang="en-US"/>
-              <a:t>수정삭제 가능</a:t>
-            </a:r>
-            <a:endParaRPr lang="ko-KR" altLang="en-US"/>
-          </a:p>
-          <a:p>
-            <a:pPr marL="333000" indent="-333000">
-              <a:buAutoNum type="arabicPeriod"/>
+              <a:rPr lang="en-US" altLang="ko-KR"/>
+              <a:t>3</a:t>
+            </a:r>
+            <a:endParaRPr lang="en-US" altLang="ko-KR"/>
+          </a:p>
+        </p:txBody>
+      </p:sp>
+      <p:sp>
+        <p:nvSpPr>
+          <p:cNvPr id="53" name=""/>
+          <p:cNvSpPr/>
+          <p:nvPr/>
+        </p:nvSpPr>
+        <p:spPr>
+          <a:xfrm>
+            <a:off x="3124200" y="2400300"/>
+            <a:ext cx="5715000" cy="2438400"/>
+          </a:xfrm>
+          <a:prstGeom prst="rect">
+            <a:avLst/>
+          </a:prstGeom>
+          <a:noFill/>
+          <a:ln>
+            <a:solidFill>
+              <a:srgbClr val="42c7f1"/>
+            </a:solidFill>
+          </a:ln>
+        </p:spPr>
+        <p:style>
+          <a:lnRef idx="2">
+            <a:schemeClr val="accent1">
+              <a:shade val="20000"/>
+            </a:schemeClr>
+          </a:lnRef>
+          <a:fillRef idx="1">
+            <a:schemeClr val="accent1"/>
+          </a:fillRef>
+          <a:effectRef idx="0">
+            <a:schemeClr val="accent1"/>
+          </a:effectRef>
+          <a:fontRef idx="minor">
+            <a:schemeClr val="lt1"/>
+          </a:fontRef>
+        </p:style>
+        <p:txBody>
+          <a:bodyPr anchor="ctr"/>
+          <a:p>
+            <a:pPr algn="ctr">
               <a:defRPr/>
             </a:pPr>
             <a:endParaRPr lang="ko-KR" altLang="en-US"/>
           </a:p>
-          <a:p>
-            <a:pPr marL="342900" indent="-342900">
-              <a:buFont typeface="+mj-lt"/>
-              <a:buAutoNum type="arabicPeriod"/>
+        </p:txBody>
+      </p:sp>
+      <p:sp>
+        <p:nvSpPr>
+          <p:cNvPr id="54" name=""/>
+          <p:cNvSpPr/>
+          <p:nvPr/>
+        </p:nvSpPr>
+        <p:spPr>
+          <a:xfrm>
+            <a:off x="8305800" y="5143500"/>
+            <a:ext cx="1447800" cy="381000"/>
+          </a:xfrm>
+          <a:prstGeom prst="rect">
+            <a:avLst/>
+          </a:prstGeom>
+          <a:noFill/>
+          <a:ln>
+            <a:solidFill>
+              <a:srgbClr val="42c7f1"/>
+            </a:solidFill>
+          </a:ln>
+        </p:spPr>
+        <p:style>
+          <a:lnRef idx="2">
+            <a:schemeClr val="accent1">
+              <a:shade val="20000"/>
+            </a:schemeClr>
+          </a:lnRef>
+          <a:fillRef idx="1">
+            <a:schemeClr val="accent1"/>
+          </a:fillRef>
+          <a:effectRef idx="0">
+            <a:schemeClr val="accent1"/>
+          </a:effectRef>
+          <a:fontRef idx="minor">
+            <a:schemeClr val="lt1"/>
+          </a:fontRef>
+        </p:style>
+        <p:txBody>
+          <a:bodyPr anchor="ctr"/>
+          <a:p>
+            <a:pPr algn="ctr">
               <a:defRPr/>
             </a:pPr>
             <a:endParaRPr lang="ko-KR" altLang="en-US"/>
           </a:p>
-          <a:p>
-            <a:pPr marL="342900" indent="-342900">
-              <a:buFont typeface="+mj-lt"/>
-              <a:buAutoNum type="arabicPeriod"/>
+        </p:txBody>
+      </p:sp>
+      <p:sp>
+        <p:nvSpPr>
+          <p:cNvPr id="57" name=""/>
+          <p:cNvSpPr/>
+          <p:nvPr/>
+        </p:nvSpPr>
+        <p:spPr>
+          <a:xfrm>
+            <a:off x="9372600" y="5524500"/>
+            <a:ext cx="304800" cy="228600"/>
+          </a:xfrm>
+          <a:prstGeom prst="rect">
+            <a:avLst/>
+          </a:prstGeom>
+          <a:noFill/>
+          <a:ln>
+            <a:solidFill>
+              <a:srgbClr val="42c7f1"/>
+            </a:solidFill>
+          </a:ln>
+        </p:spPr>
+        <p:style>
+          <a:lnRef idx="2">
+            <a:schemeClr val="accent1">
+              <a:shade val="20000"/>
+            </a:schemeClr>
+          </a:lnRef>
+          <a:fillRef idx="1">
+            <a:schemeClr val="accent1"/>
+          </a:fillRef>
+          <a:effectRef idx="0">
+            <a:schemeClr val="accent1"/>
+          </a:effectRef>
+          <a:fontRef idx="minor">
+            <a:schemeClr val="lt1"/>
+          </a:fontRef>
+        </p:style>
+        <p:txBody>
+          <a:bodyPr anchor="ctr"/>
+          <a:p>
+            <a:pPr algn="ctr">
+              <a:defRPr/>
+            </a:pPr>
+            <a:endParaRPr lang="ko-KR" altLang="en-US"/>
+          </a:p>
+        </p:txBody>
+      </p:sp>
+      <p:sp>
+        <p:nvSpPr>
+          <p:cNvPr id="58" name="타원 12"/>
+          <p:cNvSpPr/>
+          <p:nvPr/>
+        </p:nvSpPr>
+        <p:spPr>
+          <a:xfrm>
+            <a:off x="2133600" y="5494344"/>
+            <a:ext cx="313867" cy="334956"/>
+          </a:xfrm>
+          <a:prstGeom prst="ellipse">
+            <a:avLst/>
+          </a:prstGeom>
+          <a:solidFill>
+            <a:srgbClr val="404040"/>
+          </a:solidFill>
+        </p:spPr>
+        <p:style>
+          <a:lnRef idx="2">
+            <a:schemeClr val="accent1">
+              <a:shade val="20000"/>
+            </a:schemeClr>
+          </a:lnRef>
+          <a:fillRef idx="1">
+            <a:schemeClr val="accent1"/>
+          </a:fillRef>
+          <a:effectRef idx="0">
+            <a:schemeClr val="accent1"/>
+          </a:effectRef>
+          <a:fontRef idx="minor">
+            <a:schemeClr val="lt1"/>
+          </a:fontRef>
+        </p:style>
+        <p:txBody>
+          <a:bodyPr anchor="ctr"/>
+          <a:lstStyle/>
+          <a:p>
+            <a:pPr algn="ctr">
+              <a:defRPr/>
+            </a:pPr>
+            <a:r>
+              <a:rPr lang="en-US" altLang="ko-KR"/>
+              <a:t>5</a:t>
+            </a:r>
+            <a:endParaRPr lang="en-US" altLang="ko-KR"/>
+          </a:p>
+        </p:txBody>
+      </p:sp>
+      <p:sp>
+        <p:nvSpPr>
+          <p:cNvPr id="59" name=""/>
+          <p:cNvSpPr/>
+          <p:nvPr/>
+        </p:nvSpPr>
+        <p:spPr>
+          <a:xfrm>
+            <a:off x="2286000" y="5753100"/>
+            <a:ext cx="7391400" cy="3733800"/>
+          </a:xfrm>
+          <a:prstGeom prst="rect">
+            <a:avLst/>
+          </a:prstGeom>
+          <a:noFill/>
+          <a:ln>
+            <a:solidFill>
+              <a:srgbClr val="42c7f1"/>
+            </a:solidFill>
+          </a:ln>
+        </p:spPr>
+        <p:style>
+          <a:lnRef idx="2">
+            <a:schemeClr val="accent1">
+              <a:shade val="20000"/>
+            </a:schemeClr>
+          </a:lnRef>
+          <a:fillRef idx="1">
+            <a:schemeClr val="accent1"/>
+          </a:fillRef>
+          <a:effectRef idx="0">
+            <a:schemeClr val="accent1"/>
+          </a:effectRef>
+          <a:fontRef idx="minor">
+            <a:schemeClr val="lt1"/>
+          </a:fontRef>
+        </p:style>
+        <p:txBody>
+          <a:bodyPr anchor="ctr"/>
+          <a:p>
+            <a:pPr algn="ctr">
               <a:defRPr/>
             </a:pPr>
             <a:endParaRPr lang="ko-KR" altLang="en-US"/>
@@ -6298,196 +6695,6 @@
       </p:sp>
       <p:sp>
         <p:nvSpPr>
-          <p:cNvPr id="5" name="TextBox 5"/>
-          <p:cNvSpPr txBox="1"/>
-          <p:nvPr/>
-        </p:nvSpPr>
-        <p:spPr>
-          <a:xfrm>
-            <a:off x="3060700" y="6464300"/>
-            <a:ext cx="6261100" cy="419100"/>
-          </a:xfrm>
-          <a:prstGeom prst="rect">
-            <a:avLst/>
-          </a:prstGeom>
-        </p:spPr>
-        <p:txBody>
-          <a:bodyPr lIns="0" tIns="0" rIns="0" bIns="0" anchor="ctr"/>
-          <a:lstStyle/>
-          <a:p>
-            <a:pPr lvl="0" algn="l">
-              <a:lnSpc>
-                <a:spcPct val="126160"/>
-              </a:lnSpc>
-              <a:defRPr/>
-            </a:pPr>
-            <a:r>
-              <a:rPr lang="en-US" sz="2300" b="0" i="0" u="none" strike="noStrike">
-                <a:solidFill>
-                  <a:srgbClr val="bdc7e1"/>
-                </a:solidFill>
-                <a:latin typeface="Pretendard Light"/>
-              </a:rPr>
-              <a:t>20</a:t>
-            </a:r>
-            <a:r>
-              <a:rPr lang="en-US" altLang="ko-KR" sz="2300" b="0" i="0" u="none" strike="noStrike">
-                <a:solidFill>
-                  <a:srgbClr val="bdc7e1"/>
-                </a:solidFill>
-                <a:latin typeface="Pretendard Light"/>
-              </a:rPr>
-              <a:t>25</a:t>
-            </a:r>
-            <a:r>
-              <a:rPr lang="en-US" sz="2300" b="0" i="0" u="none" strike="noStrike">
-                <a:solidFill>
-                  <a:srgbClr val="bdc7e1"/>
-                </a:solidFill>
-                <a:latin typeface="Pretendard Light"/>
-              </a:rPr>
-              <a:t>.0</a:t>
-            </a:r>
-            <a:r>
-              <a:rPr lang="en-US" altLang="ko-KR" sz="2300" b="0" i="0" u="none" strike="noStrike">
-                <a:solidFill>
-                  <a:srgbClr val="bdc7e1"/>
-                </a:solidFill>
-                <a:latin typeface="Pretendard Light"/>
-              </a:rPr>
-              <a:t>2</a:t>
-            </a:r>
-            <a:r>
-              <a:rPr lang="en-US" sz="2300" b="0" i="0" u="none" strike="noStrike">
-                <a:solidFill>
-                  <a:srgbClr val="bdc7e1"/>
-                </a:solidFill>
-                <a:latin typeface="Pretendard Light"/>
-              </a:rPr>
-              <a:t>.0</a:t>
-            </a:r>
-            <a:r>
-              <a:rPr lang="en-US" altLang="ko-KR" sz="2300" b="0" i="0" u="none" strike="noStrike">
-                <a:solidFill>
-                  <a:srgbClr val="bdc7e1"/>
-                </a:solidFill>
-                <a:latin typeface="Pretendard Light"/>
-              </a:rPr>
-              <a:t>3</a:t>
-            </a:r>
-            <a:r>
-              <a:rPr lang="en-US" sz="2300" b="0" i="0" u="none" strike="noStrike">
-                <a:solidFill>
-                  <a:srgbClr val="bdc7e1"/>
-                </a:solidFill>
-                <a:latin typeface="Pretendard Light"/>
-              </a:rPr>
-              <a:t> ~ 20</a:t>
-            </a:r>
-            <a:r>
-              <a:rPr lang="en-US" altLang="ko-KR" sz="2300" b="0" i="0" u="none" strike="noStrike">
-                <a:solidFill>
-                  <a:srgbClr val="bdc7e1"/>
-                </a:solidFill>
-                <a:latin typeface="Pretendard Light"/>
-              </a:rPr>
-              <a:t>25</a:t>
-            </a:r>
-            <a:r>
-              <a:rPr lang="en-US" sz="2300" b="0" i="0" u="none" strike="noStrike">
-                <a:solidFill>
-                  <a:srgbClr val="bdc7e1"/>
-                </a:solidFill>
-                <a:latin typeface="Pretendard Light"/>
-              </a:rPr>
-              <a:t>.0</a:t>
-            </a:r>
-            <a:r>
-              <a:rPr lang="en-US" altLang="ko-KR" sz="2300" b="0" i="0" u="none" strike="noStrike">
-                <a:solidFill>
-                  <a:srgbClr val="bdc7e1"/>
-                </a:solidFill>
-                <a:latin typeface="Pretendard Light"/>
-              </a:rPr>
-              <a:t>2.21</a:t>
-            </a:r>
-            <a:endParaRPr lang="en-US" altLang="ko-KR" sz="2300" b="0" i="0" u="none" strike="noStrike">
-              <a:solidFill>
-                <a:srgbClr val="bdc7e1"/>
-              </a:solidFill>
-              <a:latin typeface="Pretendard Light"/>
-            </a:endParaRPr>
-          </a:p>
-        </p:txBody>
-      </p:sp>
-      <p:sp>
-        <p:nvSpPr>
-          <p:cNvPr id="6" name="TextBox 6"/>
-          <p:cNvSpPr txBox="1"/>
-          <p:nvPr/>
-        </p:nvSpPr>
-        <p:spPr>
-          <a:xfrm>
-            <a:off x="2540000" y="5816600"/>
-            <a:ext cx="5651500" cy="571500"/>
-          </a:xfrm>
-          <a:prstGeom prst="rect">
-            <a:avLst/>
-          </a:prstGeom>
-        </p:spPr>
-        <p:txBody>
-          <a:bodyPr lIns="0" tIns="0" rIns="0" bIns="0" anchor="ctr"/>
-          <a:lstStyle/>
-          <a:p>
-            <a:pPr marL="342900" lvl="0" indent="-342900" algn="l">
-              <a:lnSpc>
-                <a:spcPct val="103749"/>
-              </a:lnSpc>
-              <a:buClr>
-                <a:srgbClr val="ffffff"/>
-              </a:buClr>
-              <a:buFont typeface="Arial"/>
-              <a:buChar char="●"/>
-              <a:defRPr/>
-            </a:pPr>
-            <a:r>
-              <a:rPr lang="ko-KR" sz="3200" b="0" i="0" u="none" strike="noStrike">
-                <a:solidFill>
-                  <a:srgbClr val="ffffff"/>
-                </a:solidFill>
-                <a:ea typeface="Pretendard Medium"/>
-              </a:rPr>
-              <a:t>프로젝트</a:t>
-            </a:r>
-            <a:r>
-              <a:rPr lang="en-US" sz="3200" b="0" i="0" u="none" strike="noStrike">
-                <a:solidFill>
-                  <a:srgbClr val="ffffff"/>
-                </a:solidFill>
-                <a:latin typeface="Pretendard Medium"/>
-              </a:rPr>
-              <a:t> </a:t>
-            </a:r>
-            <a:r>
-              <a:rPr lang="ko-KR" sz="3200" b="0" i="0" u="none" strike="noStrike">
-                <a:solidFill>
-                  <a:srgbClr val="ffffff"/>
-                </a:solidFill>
-                <a:ea typeface="Pretendard Medium"/>
-              </a:rPr>
-              <a:t>기간</a:t>
-            </a:r>
-            <a:endParaRPr lang="ko-KR" sz="3200" b="0" i="0" u="none" strike="noStrike">
-              <a:solidFill>
-                <a:srgbClr val="ffffff"/>
-              </a:solidFill>
-              <a:ea typeface="Pretendard Medium"/>
-            </a:endParaRPr>
-          </a:p>
-        </p:txBody>
-      </p:sp>
-      <p:sp>
-        <p:nvSpPr>
           <p:cNvPr id="8" name="TextBox 8"/>
           <p:cNvSpPr txBox="1"/>
           <p:nvPr/>
@@ -6525,54 +6732,6 @@
           </a:p>
         </p:txBody>
       </p:sp>
-      <p:pic>
-        <p:nvPicPr>
-          <p:cNvPr id="9" name="Picture 9"/>
-          <p:cNvPicPr>
-            <a:picLocks noChangeAspect="1"/>
-          </p:cNvPicPr>
-          <p:nvPr/>
-        </p:nvPicPr>
-        <p:blipFill rotWithShape="1">
-          <a:blip r:embed="rId4"/>
-          <a:stretch>
-            <a:fillRect/>
-          </a:stretch>
-        </p:blipFill>
-        <p:spPr>
-          <a:xfrm>
-            <a:off x="2641600" y="5486400"/>
-            <a:ext cx="5842000" cy="12700"/>
-          </a:xfrm>
-          <a:prstGeom prst="rect">
-            <a:avLst/>
-          </a:prstGeom>
-        </p:spPr>
-      </p:pic>
-      <p:pic>
-        <p:nvPicPr>
-          <p:cNvPr id="10" name="Picture 10"/>
-          <p:cNvPicPr>
-            <a:picLocks noChangeAspect="1"/>
-          </p:cNvPicPr>
-          <p:nvPr/>
-        </p:nvPicPr>
-        <p:blipFill rotWithShape="1">
-          <a:blip r:embed="rId5"/>
-          <a:stretch>
-            <a:fillRect/>
-          </a:stretch>
-        </p:blipFill>
-        <p:spPr>
-          <a:xfrm>
-            <a:off x="2654300" y="7124700"/>
-            <a:ext cx="5842000" cy="12700"/>
-          </a:xfrm>
-          <a:prstGeom prst="rect">
-            <a:avLst/>
-          </a:prstGeom>
-        </p:spPr>
-      </p:pic>
       <p:sp>
         <p:nvSpPr>
           <p:cNvPr id="12" name="TextBox 12"/>
@@ -6581,7 +6740,7 @@
         </p:nvSpPr>
         <p:spPr>
           <a:xfrm>
-            <a:off x="2514600" y="2667000"/>
+            <a:off x="1905000" y="1485900"/>
             <a:ext cx="5651500" cy="571500"/>
           </a:xfrm>
           <a:prstGeom prst="rect">
@@ -6630,7 +6789,16 @@
               </a:rPr>
               <a:t>명</a:t>
             </a:r>
-            <a:endParaRPr lang="ko-KR" sz="3200" b="0" i="0" u="none" strike="noStrike">
+            <a:r>
+              <a:rPr lang="en-US" altLang="ko-KR" sz="3200" b="0" i="0" u="none" strike="noStrike">
+                <a:solidFill>
+                  <a:srgbClr val="ffffff"/>
+                </a:solidFill>
+                <a:ea typeface="Pretendard Medium"/>
+              </a:rPr>
+              <a:t>: Monmi</a:t>
+            </a:r>
+            <a:endParaRPr lang="en-US" altLang="ko-KR" sz="3200" b="0" i="0" u="none" strike="noStrike">
               <a:solidFill>
                 <a:srgbClr val="ffffff"/>
               </a:solidFill>
@@ -6648,7 +6816,7 @@
           <p:nvPr/>
         </p:nvPicPr>
         <p:blipFill rotWithShape="1">
-          <a:blip r:embed="rId6">
+          <a:blip r:embed="rId4">
             <a:alphaModFix amt="90000"/>
           </a:blip>
           <a:stretch>
@@ -6674,7 +6842,7 @@
           <p:nvPr/>
         </p:nvPicPr>
         <p:blipFill rotWithShape="1">
-          <a:blip r:embed="rId7"/>
+          <a:blip r:embed="rId5"/>
           <a:stretch>
             <a:fillRect/>
           </a:stretch>
@@ -6689,6 +6857,337 @@
           </a:prstGeom>
         </p:spPr>
       </p:pic>
+      <p:sp>
+        <p:nvSpPr>
+          <p:cNvPr id="26" name=""/>
+          <p:cNvSpPr/>
+          <p:nvPr/>
+        </p:nvSpPr>
+        <p:spPr>
+          <a:xfrm>
+            <a:off x="2667000" y="2628900"/>
+            <a:ext cx="4953000" cy="5638800"/>
+          </a:xfrm>
+          <a:prstGeom prst="upArrow">
+            <a:avLst>
+              <a:gd name="adj1" fmla="val 100000"/>
+              <a:gd name="adj2" fmla="val 13384"/>
+            </a:avLst>
+          </a:prstGeom>
+          <a:solidFill>
+            <a:srgbClr val="ffffff"/>
+          </a:solidFill>
+          <a:ln w="38100">
+            <a:solidFill>
+              <a:srgbClr val="42c7f1"/>
+            </a:solidFill>
+          </a:ln>
+        </p:spPr>
+        <p:style>
+          <a:lnRef idx="2">
+            <a:schemeClr val="accent1">
+              <a:shade val="20000"/>
+            </a:schemeClr>
+          </a:lnRef>
+          <a:fillRef idx="1">
+            <a:schemeClr val="accent1"/>
+          </a:fillRef>
+          <a:effectRef idx="0">
+            <a:schemeClr val="accent1"/>
+          </a:effectRef>
+          <a:fontRef idx="minor">
+            <a:schemeClr val="lt1"/>
+          </a:fontRef>
+        </p:style>
+        <p:txBody>
+          <a:bodyPr anchor="ctr"/>
+          <a:p>
+            <a:pPr algn="ctr">
+              <a:defRPr/>
+            </a:pPr>
+            <a:endParaRPr lang="en-US" altLang="ko-KR"/>
+          </a:p>
+        </p:txBody>
+      </p:sp>
+      <p:grpSp>
+        <p:nvGrpSpPr>
+          <p:cNvPr id="33" name=""/>
+          <p:cNvGrpSpPr/>
+          <p:nvPr/>
+        </p:nvGrpSpPr>
+        <p:grpSpPr>
+          <a:xfrm rot="0">
+            <a:off x="8915400" y="2933700"/>
+            <a:ext cx="6934200" cy="2438400"/>
+            <a:chOff x="8915400" y="2933700"/>
+            <a:chExt cx="6934200" cy="2438400"/>
+          </a:xfrm>
+        </p:grpSpPr>
+        <p:sp>
+          <p:nvSpPr>
+            <p:cNvPr id="27" name=""/>
+            <p:cNvSpPr/>
+            <p:nvPr/>
+          </p:nvSpPr>
+          <p:spPr>
+            <a:xfrm>
+              <a:off x="8915400" y="2933700"/>
+              <a:ext cx="6934200" cy="2438400"/>
+            </a:xfrm>
+            <a:prstGeom prst="leftArrowCallout">
+              <a:avLst>
+                <a:gd name="adj1" fmla="val 35156"/>
+                <a:gd name="adj2" fmla="val 31640"/>
+                <a:gd name="adj3" fmla="val 31584"/>
+                <a:gd name="adj4" fmla="val 77757"/>
+              </a:avLst>
+            </a:prstGeom>
+            <a:solidFill>
+              <a:schemeClr val="lt1"/>
+            </a:solidFill>
+            <a:ln w="38100">
+              <a:solidFill>
+                <a:srgbClr val="42c7f1"/>
+              </a:solidFill>
+            </a:ln>
+          </p:spPr>
+          <p:style>
+            <a:lnRef idx="2">
+              <a:schemeClr val="accent1">
+                <a:shade val="20000"/>
+              </a:schemeClr>
+            </a:lnRef>
+            <a:fillRef idx="1">
+              <a:schemeClr val="accent1"/>
+            </a:fillRef>
+            <a:effectRef idx="0">
+              <a:schemeClr val="accent1"/>
+            </a:effectRef>
+            <a:fontRef idx="minor">
+              <a:schemeClr val="lt1"/>
+            </a:fontRef>
+          </p:style>
+          <p:txBody>
+            <a:bodyPr anchor="ctr"/>
+            <a:p>
+              <a:pPr algn="ctr">
+                <a:defRPr/>
+              </a:pPr>
+              <a:endParaRPr lang="en-US" altLang="ko-KR"/>
+            </a:p>
+          </p:txBody>
+        </p:sp>
+        <p:pic>
+          <p:nvPicPr>
+            <p:cNvPr id="31" name="Picture 22"/>
+            <p:cNvPicPr>
+              <a:picLocks noChangeAspect="1"/>
+            </p:cNvPicPr>
+            <p:nvPr/>
+          </p:nvPicPr>
+          <p:blipFill rotWithShape="1">
+            <a:blip r:embed="rId6"/>
+            <a:stretch>
+              <a:fillRect/>
+            </a:stretch>
+          </p:blipFill>
+          <p:spPr>
+            <a:xfrm rot="5400000">
+              <a:off x="15182851" y="3219450"/>
+              <a:ext cx="762000" cy="190500"/>
+            </a:xfrm>
+            <a:prstGeom prst="rect">
+              <a:avLst/>
+            </a:prstGeom>
+          </p:spPr>
+        </p:pic>
+      </p:grpSp>
+      <p:grpSp>
+        <p:nvGrpSpPr>
+          <p:cNvPr id="34" name=""/>
+          <p:cNvGrpSpPr/>
+          <p:nvPr/>
+        </p:nvGrpSpPr>
+        <p:grpSpPr>
+          <a:xfrm rot="0">
+            <a:off x="8915400" y="5676900"/>
+            <a:ext cx="6934200" cy="2438400"/>
+            <a:chOff x="8915400" y="5676900"/>
+            <a:chExt cx="6934200" cy="2438400"/>
+          </a:xfrm>
+        </p:grpSpPr>
+        <p:sp>
+          <p:nvSpPr>
+            <p:cNvPr id="29" name=""/>
+            <p:cNvSpPr/>
+            <p:nvPr/>
+          </p:nvSpPr>
+          <p:spPr>
+            <a:xfrm>
+              <a:off x="8915400" y="5676900"/>
+              <a:ext cx="6934200" cy="2438400"/>
+            </a:xfrm>
+            <a:prstGeom prst="leftArrowCallout">
+              <a:avLst>
+                <a:gd name="adj1" fmla="val 35156"/>
+                <a:gd name="adj2" fmla="val 31640"/>
+                <a:gd name="adj3" fmla="val 31584"/>
+                <a:gd name="adj4" fmla="val 77757"/>
+              </a:avLst>
+            </a:prstGeom>
+            <a:solidFill>
+              <a:schemeClr val="lt1"/>
+            </a:solidFill>
+            <a:ln w="38100">
+              <a:solidFill>
+                <a:srgbClr val="42c7f1"/>
+              </a:solidFill>
+            </a:ln>
+          </p:spPr>
+          <p:style>
+            <a:lnRef idx="2">
+              <a:schemeClr val="accent1">
+                <a:shade val="20000"/>
+              </a:schemeClr>
+            </a:lnRef>
+            <a:fillRef idx="1">
+              <a:schemeClr val="accent1"/>
+            </a:fillRef>
+            <a:effectRef idx="0">
+              <a:schemeClr val="accent1"/>
+            </a:effectRef>
+            <a:fontRef idx="minor">
+              <a:schemeClr val="lt1"/>
+            </a:fontRef>
+          </p:style>
+          <p:txBody>
+            <a:bodyPr anchor="ctr"/>
+            <a:p>
+              <a:pPr algn="ctr">
+                <a:defRPr/>
+              </a:pPr>
+              <a:endParaRPr lang="en-US" altLang="ko-KR"/>
+            </a:p>
+          </p:txBody>
+        </p:sp>
+        <p:pic>
+          <p:nvPicPr>
+            <p:cNvPr id="32" name="Picture 22"/>
+            <p:cNvPicPr>
+              <a:picLocks noChangeAspect="1"/>
+            </p:cNvPicPr>
+            <p:nvPr/>
+          </p:nvPicPr>
+          <p:blipFill rotWithShape="1">
+            <a:blip r:embed="rId7"/>
+            <a:stretch>
+              <a:fillRect/>
+            </a:stretch>
+          </p:blipFill>
+          <p:spPr>
+            <a:xfrm rot="5400000">
+              <a:off x="15182851" y="5962650"/>
+              <a:ext cx="762000" cy="190500"/>
+            </a:xfrm>
+            <a:prstGeom prst="rect">
+              <a:avLst/>
+            </a:prstGeom>
+          </p:spPr>
+        </p:pic>
+      </p:grpSp>
+      <p:sp>
+        <p:nvSpPr>
+          <p:cNvPr id="35" name=""/>
+          <p:cNvSpPr txBox="1"/>
+          <p:nvPr/>
+        </p:nvSpPr>
+        <p:spPr>
+          <a:xfrm>
+            <a:off x="10515600" y="3086100"/>
+            <a:ext cx="4876800" cy="360045"/>
+          </a:xfrm>
+          <a:prstGeom prst="rect">
+            <a:avLst/>
+          </a:prstGeom>
+        </p:spPr>
+        <p:txBody>
+          <a:bodyPr wrap="square">
+            <a:spAutoFit/>
+          </a:bodyPr>
+          <a:p>
+            <a:pPr>
+              <a:defRPr/>
+            </a:pPr>
+            <a:r>
+              <a:rPr lang="ko-KR" altLang="en-US"/>
+              <a:t>기획의도</a:t>
+            </a:r>
+            <a:endParaRPr lang="ko-KR" altLang="en-US"/>
+          </a:p>
+        </p:txBody>
+      </p:sp>
+      <p:sp>
+        <p:nvSpPr>
+          <p:cNvPr id="36" name=""/>
+          <p:cNvSpPr txBox="1"/>
+          <p:nvPr/>
+        </p:nvSpPr>
+        <p:spPr>
+          <a:xfrm>
+            <a:off x="10515600" y="5850255"/>
+            <a:ext cx="4876800" cy="360045"/>
+          </a:xfrm>
+          <a:prstGeom prst="rect">
+            <a:avLst/>
+          </a:prstGeom>
+        </p:spPr>
+        <p:txBody>
+          <a:bodyPr wrap="square">
+            <a:spAutoFit/>
+          </a:bodyPr>
+          <a:p>
+            <a:pPr>
+              <a:defRPr/>
+            </a:pPr>
+            <a:r>
+              <a:rPr lang="ko-KR" altLang="en-US"/>
+              <a:t>선정배경</a:t>
+            </a:r>
+            <a:endParaRPr lang="ko-KR" altLang="en-US"/>
+          </a:p>
+        </p:txBody>
+      </p:sp>
+      <p:sp>
+        <p:nvSpPr>
+          <p:cNvPr id="37" name=""/>
+          <p:cNvSpPr txBox="1"/>
+          <p:nvPr/>
+        </p:nvSpPr>
+        <p:spPr>
+          <a:xfrm>
+            <a:off x="2667000" y="3411855"/>
+            <a:ext cx="4876800" cy="367665"/>
+          </a:xfrm>
+          <a:prstGeom prst="rect">
+            <a:avLst/>
+          </a:prstGeom>
+        </p:spPr>
+        <p:txBody>
+          <a:bodyPr wrap="square">
+            <a:spAutoFit/>
+          </a:bodyPr>
+          <a:p>
+            <a:pPr>
+              <a:defRPr/>
+            </a:pPr>
+            <a:r>
+              <a:rPr lang="ko-KR" altLang="en-US"/>
+              <a:t>주제</a:t>
+            </a:r>
+            <a:endParaRPr lang="ko-KR" altLang="en-US"/>
+          </a:p>
+        </p:txBody>
+      </p:sp>
     </p:spTree>
   </p:cSld>
   <p:clrMapOvr>
@@ -8145,10 +8644,10 @@
         </p:nvGrpSpPr>
         <p:grpSpPr>
           <a:xfrm rot="0">
-            <a:off x="4191000" y="4845936"/>
-            <a:ext cx="7402973" cy="4183764"/>
-            <a:chOff x="1904062" y="1647687"/>
-            <a:chExt cx="7402973" cy="4183764"/>
+            <a:off x="3569827" y="4838700"/>
+            <a:ext cx="7402973" cy="4313488"/>
+            <a:chOff x="1294462" y="1815527"/>
+            <a:chExt cx="7402973" cy="4313488"/>
           </a:xfrm>
         </p:grpSpPr>
         <p:sp>
@@ -8159,7 +8658,7 @@
           </p:nvSpPr>
           <p:spPr>
             <a:xfrm>
-              <a:off x="1904062" y="1647687"/>
+              <a:off x="1294462" y="1945251"/>
               <a:ext cx="7402973" cy="4183764"/>
             </a:xfrm>
             <a:prstGeom prst="cube">
@@ -11575,23 +12074,31 @@
                     </a:p>
                   </a:txBody>
                   <a:tcPr marL="137160" marR="137160" marT="137160" marB="137160" anchor="ctr">
-                    <a:lnL w="9525" cap="flat" cmpd="sng" algn="ctr">
-                      <a:noFill/>
+                    <a:lnL w="12700" cap="flat" cmpd="sng" algn="ctr">
+                      <a:solidFill>
+                        <a:schemeClr val="tx1"/>
+                      </a:solidFill>
                       <a:prstDash val="solid"/>
                       <a:round/>
                     </a:lnL>
-                    <a:lnR w="9525" cap="flat" cmpd="sng" algn="ctr">
-                      <a:noFill/>
+                    <a:lnR w="12700" cap="flat" cmpd="sng" algn="ctr">
+                      <a:solidFill>
+                        <a:schemeClr val="tx1"/>
+                      </a:solidFill>
                       <a:prstDash val="solid"/>
                       <a:round/>
                     </a:lnR>
-                    <a:lnT w="9525" cap="flat" cmpd="sng" algn="ctr">
-                      <a:noFill/>
+                    <a:lnT w="12700" cap="flat" cmpd="sng" algn="ctr">
+                      <a:solidFill>
+                        <a:schemeClr val="tx1"/>
+                      </a:solidFill>
                       <a:prstDash val="solid"/>
                       <a:round/>
                     </a:lnT>
-                    <a:lnB w="9525" cap="flat" cmpd="sng" algn="ctr">
-                      <a:noFill/>
+                    <a:lnB w="12700" cap="flat" cmpd="sng" algn="ctr">
+                      <a:solidFill>
+                        <a:schemeClr val="tx1"/>
+                      </a:solidFill>
                       <a:prstDash val="solid"/>
                       <a:round/>
                     </a:lnB>
@@ -11615,23 +12122,31 @@
                     </a:p>
                   </a:txBody>
                   <a:tcPr marL="137160" marR="137160" marT="137160" marB="137160" anchor="ctr">
-                    <a:lnL w="9525" cap="flat" cmpd="sng" algn="ctr">
-                      <a:noFill/>
+                    <a:lnL w="12700" cap="flat" cmpd="sng" algn="ctr">
+                      <a:solidFill>
+                        <a:schemeClr val="tx1"/>
+                      </a:solidFill>
                       <a:prstDash val="solid"/>
                       <a:round/>
                     </a:lnL>
-                    <a:lnR w="9525" cap="flat" cmpd="sng" algn="ctr">
-                      <a:noFill/>
+                    <a:lnR w="12700" cap="flat" cmpd="sng" algn="ctr">
+                      <a:solidFill>
+                        <a:schemeClr val="tx1"/>
+                      </a:solidFill>
                       <a:prstDash val="solid"/>
                       <a:round/>
                     </a:lnR>
-                    <a:lnT w="9525" cap="flat" cmpd="sng" algn="ctr">
-                      <a:noFill/>
+                    <a:lnT w="12700" cap="flat" cmpd="sng" algn="ctr">
+                      <a:solidFill>
+                        <a:schemeClr val="tx1"/>
+                      </a:solidFill>
                       <a:prstDash val="solid"/>
                       <a:round/>
                     </a:lnT>
-                    <a:lnB w="9525" cap="flat" cmpd="sng" algn="ctr">
-                      <a:noFill/>
+                    <a:lnB w="12700" cap="flat" cmpd="sng" algn="ctr">
+                      <a:solidFill>
+                        <a:schemeClr val="tx1"/>
+                      </a:solidFill>
                       <a:prstDash val="solid"/>
                       <a:round/>
                     </a:lnB>
@@ -11665,23 +12180,31 @@
                     </a:p>
                   </a:txBody>
                   <a:tcPr marL="137160" marR="137160" marT="137160" marB="137160" anchor="ctr">
-                    <a:lnL w="9525" cap="flat" cmpd="sng" algn="ctr">
-                      <a:noFill/>
+                    <a:lnL w="12700" cap="flat" cmpd="sng" algn="ctr">
+                      <a:solidFill>
+                        <a:schemeClr val="tx1"/>
+                      </a:solidFill>
                       <a:prstDash val="solid"/>
                       <a:round/>
                     </a:lnL>
-                    <a:lnR w="9525" cap="flat" cmpd="sng" algn="ctr">
-                      <a:noFill/>
+                    <a:lnR w="12700" cap="flat" cmpd="sng" algn="ctr">
+                      <a:solidFill>
+                        <a:schemeClr val="tx1"/>
+                      </a:solidFill>
                       <a:prstDash val="solid"/>
                       <a:round/>
                     </a:lnR>
-                    <a:lnT w="9525" cap="flat" cmpd="sng" algn="ctr">
-                      <a:noFill/>
+                    <a:lnT w="12700" cap="flat" cmpd="sng" algn="ctr">
+                      <a:solidFill>
+                        <a:schemeClr val="tx1"/>
+                      </a:solidFill>
                       <a:prstDash val="solid"/>
                       <a:round/>
                     </a:lnT>
-                    <a:lnB w="9525" cap="flat" cmpd="sng" algn="ctr">
-                      <a:noFill/>
+                    <a:lnB w="12700" cap="flat" cmpd="sng" algn="ctr">
+                      <a:solidFill>
+                        <a:schemeClr val="tx1"/>
+                      </a:solidFill>
                       <a:prstDash val="solid"/>
                       <a:round/>
                     </a:lnB>
@@ -11692,7 +12215,7 @@
                   <a:txBody>
                     <a:bodyPr vert="horz" lIns="137160" tIns="137160" rIns="137160" bIns="137160" anchor="ctr" anchorCtr="0"/>
                     <a:p>
-                      <a:pPr marL="328440" indent="-328440" algn="ctr">
+                      <a:pPr marL="328440" indent="-328440">
                         <a:buFont typeface="Arial"/>
                         <a:buChar char="•"/>
                         <a:defRPr/>
@@ -11712,7 +12235,7 @@
                       </a:endParaRPr>
                     </a:p>
                     <a:p>
-                      <a:pPr marL="328440" indent="-328440" algn="ctr">
+                      <a:pPr marL="328440" indent="-328440">
                         <a:buFont typeface="Arial"/>
                         <a:buChar char="•"/>
                         <a:defRPr/>
@@ -11725,23 +12248,31 @@
                     </a:p>
                   </a:txBody>
                   <a:tcPr marL="137160" marR="137160" marT="137160" marB="137160" anchor="ctr">
-                    <a:lnL w="9525" cap="flat" cmpd="sng" algn="ctr">
-                      <a:noFill/>
+                    <a:lnL w="12700" cap="flat" cmpd="sng" algn="ctr">
+                      <a:solidFill>
+                        <a:schemeClr val="tx1"/>
+                      </a:solidFill>
                       <a:prstDash val="solid"/>
                       <a:round/>
                     </a:lnL>
-                    <a:lnR w="9525" cap="flat" cmpd="sng" algn="ctr">
-                      <a:noFill/>
+                    <a:lnR w="12700" cap="flat" cmpd="sng" algn="ctr">
+                      <a:solidFill>
+                        <a:schemeClr val="tx1"/>
+                      </a:solidFill>
                       <a:prstDash val="solid"/>
                       <a:round/>
                     </a:lnR>
-                    <a:lnT w="9525" cap="flat" cmpd="sng" algn="ctr">
-                      <a:noFill/>
+                    <a:lnT w="12700" cap="flat" cmpd="sng" algn="ctr">
+                      <a:solidFill>
+                        <a:schemeClr val="tx1"/>
+                      </a:solidFill>
                       <a:prstDash val="solid"/>
                       <a:round/>
                     </a:lnT>
-                    <a:lnB w="9525" cap="flat" cmpd="sng" algn="ctr">
-                      <a:noFill/>
+                    <a:lnB w="12700" cap="flat" cmpd="sng" algn="ctr">
+                      <a:solidFill>
+                        <a:schemeClr val="tx1"/>
+                      </a:solidFill>
                       <a:prstDash val="solid"/>
                       <a:round/>
                     </a:lnB>
@@ -11773,23 +12304,31 @@
                     </a:p>
                   </a:txBody>
                   <a:tcPr marL="137160" marR="137160" marT="137160" marB="137160" anchor="ctr">
-                    <a:lnL w="9525" cap="flat" cmpd="sng" algn="ctr">
-                      <a:noFill/>
+                    <a:lnL w="12700" cap="flat" cmpd="sng" algn="ctr">
+                      <a:solidFill>
+                        <a:schemeClr val="tx1"/>
+                      </a:solidFill>
                       <a:prstDash val="solid"/>
                       <a:round/>
                     </a:lnL>
-                    <a:lnR w="9525" cap="flat" cmpd="sng" algn="ctr">
-                      <a:noFill/>
+                    <a:lnR w="12700" cap="flat" cmpd="sng" algn="ctr">
+                      <a:solidFill>
+                        <a:schemeClr val="tx1"/>
+                      </a:solidFill>
                       <a:prstDash val="solid"/>
                       <a:round/>
                     </a:lnR>
-                    <a:lnT w="9525" cap="flat" cmpd="sng" algn="ctr">
-                      <a:noFill/>
+                    <a:lnT w="12700" cap="flat" cmpd="sng" algn="ctr">
+                      <a:solidFill>
+                        <a:schemeClr val="tx1"/>
+                      </a:solidFill>
                       <a:prstDash val="solid"/>
                       <a:round/>
                     </a:lnT>
-                    <a:lnB w="9525" cap="flat" cmpd="sng" algn="ctr">
-                      <a:noFill/>
+                    <a:lnB w="12700" cap="flat" cmpd="sng" algn="ctr">
+                      <a:solidFill>
+                        <a:schemeClr val="tx1"/>
+                      </a:solidFill>
                       <a:prstDash val="solid"/>
                       <a:round/>
                     </a:lnB>
@@ -11800,7 +12339,7 @@
                   <a:txBody>
                     <a:bodyPr vert="horz" lIns="137160" tIns="137160" rIns="137160" bIns="137160" anchor="ctr" anchorCtr="0"/>
                     <a:p>
-                      <a:pPr marL="328440" indent="-328440" algn="ctr">
+                      <a:pPr marL="328440" indent="-328440">
                         <a:buFont typeface="Arial"/>
                         <a:buChar char="•"/>
                         <a:defRPr/>
@@ -11821,23 +12360,31 @@
                     </a:p>
                   </a:txBody>
                   <a:tcPr marL="137160" marR="137160" marT="137160" marB="137160" anchor="ctr">
-                    <a:lnL w="9525" cap="flat" cmpd="sng" algn="ctr">
-                      <a:noFill/>
+                    <a:lnL w="12700" cap="flat" cmpd="sng" algn="ctr">
+                      <a:solidFill>
+                        <a:schemeClr val="tx1"/>
+                      </a:solidFill>
                       <a:prstDash val="solid"/>
                       <a:round/>
                     </a:lnL>
-                    <a:lnR w="9525" cap="flat" cmpd="sng" algn="ctr">
-                      <a:noFill/>
+                    <a:lnR w="12700" cap="flat" cmpd="sng" algn="ctr">
+                      <a:solidFill>
+                        <a:schemeClr val="tx1"/>
+                      </a:solidFill>
                       <a:prstDash val="solid"/>
                       <a:round/>
                     </a:lnR>
-                    <a:lnT w="9525" cap="flat" cmpd="sng" algn="ctr">
-                      <a:noFill/>
+                    <a:lnT w="12700" cap="flat" cmpd="sng" algn="ctr">
+                      <a:solidFill>
+                        <a:schemeClr val="tx1"/>
+                      </a:solidFill>
                       <a:prstDash val="solid"/>
                       <a:round/>
                     </a:lnT>
-                    <a:lnB w="9525" cap="flat" cmpd="sng" algn="ctr">
-                      <a:noFill/>
+                    <a:lnB w="12700" cap="flat" cmpd="sng" algn="ctr">
+                      <a:solidFill>
+                        <a:schemeClr val="tx1"/>
+                      </a:solidFill>
                       <a:prstDash val="solid"/>
                       <a:round/>
                     </a:lnB>
@@ -11869,23 +12416,31 @@
                     </a:p>
                   </a:txBody>
                   <a:tcPr marL="137160" marR="137160" marT="137160" marB="137160" anchor="ctr">
-                    <a:lnL w="9525" cap="flat" cmpd="sng" algn="ctr">
-                      <a:noFill/>
+                    <a:lnL w="12700" cap="flat" cmpd="sng" algn="ctr">
+                      <a:solidFill>
+                        <a:schemeClr val="tx1"/>
+                      </a:solidFill>
                       <a:prstDash val="solid"/>
                       <a:round/>
                     </a:lnL>
-                    <a:lnR w="9525" cap="flat" cmpd="sng" algn="ctr">
-                      <a:noFill/>
+                    <a:lnR w="12700" cap="flat" cmpd="sng" algn="ctr">
+                      <a:solidFill>
+                        <a:schemeClr val="tx1"/>
+                      </a:solidFill>
                       <a:prstDash val="solid"/>
                       <a:round/>
                     </a:lnR>
-                    <a:lnT w="9525" cap="flat" cmpd="sng" algn="ctr">
-                      <a:noFill/>
+                    <a:lnT w="12700" cap="flat" cmpd="sng" algn="ctr">
+                      <a:solidFill>
+                        <a:schemeClr val="tx1"/>
+                      </a:solidFill>
                       <a:prstDash val="solid"/>
                       <a:round/>
                     </a:lnT>
-                    <a:lnB w="9525" cap="flat" cmpd="sng" algn="ctr">
-                      <a:noFill/>
+                    <a:lnB w="12700" cap="flat" cmpd="sng" algn="ctr">
+                      <a:solidFill>
+                        <a:schemeClr val="tx1"/>
+                      </a:solidFill>
                       <a:prstDash val="solid"/>
                       <a:round/>
                     </a:lnB>
@@ -11896,7 +12451,7 @@
                   <a:txBody>
                     <a:bodyPr vert="horz" lIns="137160" tIns="137160" rIns="137160" bIns="137160" anchor="ctr" anchorCtr="0"/>
                     <a:p>
-                      <a:pPr marL="328440" indent="-328440" algn="ctr">
+                      <a:pPr marL="328440" indent="-328440">
                         <a:buFont typeface="Arial"/>
                         <a:buChar char="•"/>
                         <a:defRPr/>
@@ -11917,23 +12472,31 @@
                     </a:p>
                   </a:txBody>
                   <a:tcPr marL="137160" marR="137160" marT="137160" marB="137160" anchor="ctr">
-                    <a:lnL w="9525" cap="flat" cmpd="sng" algn="ctr">
-                      <a:noFill/>
+                    <a:lnL w="12700" cap="flat" cmpd="sng" algn="ctr">
+                      <a:solidFill>
+                        <a:schemeClr val="tx1"/>
+                      </a:solidFill>
                       <a:prstDash val="solid"/>
                       <a:round/>
                     </a:lnL>
-                    <a:lnR w="9525" cap="flat" cmpd="sng" algn="ctr">
-                      <a:noFill/>
+                    <a:lnR w="12700" cap="flat" cmpd="sng" algn="ctr">
+                      <a:solidFill>
+                        <a:schemeClr val="tx1"/>
+                      </a:solidFill>
                       <a:prstDash val="solid"/>
                       <a:round/>
                     </a:lnR>
-                    <a:lnT w="9525" cap="flat" cmpd="sng" algn="ctr">
-                      <a:noFill/>
+                    <a:lnT w="12700" cap="flat" cmpd="sng" algn="ctr">
+                      <a:solidFill>
+                        <a:schemeClr val="tx1"/>
+                      </a:solidFill>
                       <a:prstDash val="solid"/>
                       <a:round/>
                     </a:lnT>
-                    <a:lnB w="9525" cap="flat" cmpd="sng" algn="ctr">
-                      <a:noFill/>
+                    <a:lnB w="12700" cap="flat" cmpd="sng" algn="ctr">
+                      <a:solidFill>
+                        <a:schemeClr val="tx1"/>
+                      </a:solidFill>
                       <a:prstDash val="solid"/>
                       <a:round/>
                     </a:lnB>
@@ -11965,23 +12528,31 @@
                     </a:p>
                   </a:txBody>
                   <a:tcPr marL="137160" marR="137160" marT="137160" marB="137160" anchor="ctr">
-                    <a:lnL w="9525" cap="flat" cmpd="sng" algn="ctr">
-                      <a:noFill/>
+                    <a:lnL w="12700" cap="flat" cmpd="sng" algn="ctr">
+                      <a:solidFill>
+                        <a:schemeClr val="tx1"/>
+                      </a:solidFill>
                       <a:prstDash val="solid"/>
                       <a:round/>
                     </a:lnL>
-                    <a:lnR w="9525" cap="flat" cmpd="sng" algn="ctr">
-                      <a:noFill/>
+                    <a:lnR w="12700" cap="flat" cmpd="sng" algn="ctr">
+                      <a:solidFill>
+                        <a:schemeClr val="tx1"/>
+                      </a:solidFill>
                       <a:prstDash val="solid"/>
                       <a:round/>
                     </a:lnR>
-                    <a:lnT w="9525" cap="flat" cmpd="sng" algn="ctr">
-                      <a:noFill/>
+                    <a:lnT w="12700" cap="flat" cmpd="sng" algn="ctr">
+                      <a:solidFill>
+                        <a:schemeClr val="tx1"/>
+                      </a:solidFill>
                       <a:prstDash val="solid"/>
                       <a:round/>
                     </a:lnT>
-                    <a:lnB w="9525" cap="flat" cmpd="sng" algn="ctr">
-                      <a:noFill/>
+                    <a:lnB w="12700" cap="flat" cmpd="sng" algn="ctr">
+                      <a:solidFill>
+                        <a:schemeClr val="tx1"/>
+                      </a:solidFill>
                       <a:prstDash val="solid"/>
                       <a:round/>
                     </a:lnB>
@@ -11992,7 +12563,7 @@
                   <a:txBody>
                     <a:bodyPr vert="horz" lIns="137160" tIns="137160" rIns="137160" bIns="137160" anchor="ctr" anchorCtr="0"/>
                     <a:p>
-                      <a:pPr marL="328440" indent="-328440" algn="ctr">
+                      <a:pPr marL="328440" indent="-328440">
                         <a:buFont typeface="Arial"/>
                         <a:buChar char="•"/>
                         <a:defRPr/>
@@ -12013,23 +12584,31 @@
                     </a:p>
                   </a:txBody>
                   <a:tcPr marL="137160" marR="137160" marT="137160" marB="137160" anchor="ctr">
-                    <a:lnL w="9525" cap="flat" cmpd="sng" algn="ctr">
-                      <a:noFill/>
+                    <a:lnL w="12700" cap="flat" cmpd="sng" algn="ctr">
+                      <a:solidFill>
+                        <a:schemeClr val="tx1"/>
+                      </a:solidFill>
                       <a:prstDash val="solid"/>
                       <a:round/>
                     </a:lnL>
-                    <a:lnR w="9525" cap="flat" cmpd="sng" algn="ctr">
-                      <a:noFill/>
+                    <a:lnR w="12700" cap="flat" cmpd="sng" algn="ctr">
+                      <a:solidFill>
+                        <a:schemeClr val="tx1"/>
+                      </a:solidFill>
                       <a:prstDash val="solid"/>
                       <a:round/>
                     </a:lnR>
-                    <a:lnT w="9525" cap="flat" cmpd="sng" algn="ctr">
-                      <a:noFill/>
+                    <a:lnT w="12700" cap="flat" cmpd="sng" algn="ctr">
+                      <a:solidFill>
+                        <a:schemeClr val="tx1"/>
+                      </a:solidFill>
                       <a:prstDash val="solid"/>
                       <a:round/>
                     </a:lnT>
-                    <a:lnB w="9525" cap="flat" cmpd="sng" algn="ctr">
-                      <a:noFill/>
+                    <a:lnB w="12700" cap="flat" cmpd="sng" algn="ctr">
+                      <a:solidFill>
+                        <a:schemeClr val="tx1"/>
+                      </a:solidFill>
                       <a:prstDash val="solid"/>
                       <a:round/>
                     </a:lnB>
